--- a/day4/day4-bioinformatics.pptx
+++ b/day4/day4-bioinformatics.pptx
@@ -5028,7 +5028,7 @@
                 <a:latin typeface="Arial" panose="020B0604020202020204" pitchFamily="34" charset="0"/>
                 <a:cs typeface="Arial" panose="020B0604020202020204" pitchFamily="34" charset="0"/>
               </a:rPr>
-              <a:t>Bioinformatics during the pandemic</a:t>
+              <a:t>Bioinformatics role during the pandemic</a:t>
             </a:r>
             <a:endParaRPr lang="en-US" sz="3200" dirty="0"/>
           </a:p>
